--- a/sem4/AKMS/пр2_през_Руденко_ИКБО-13-22.pptx
+++ b/sem4/AKMS/пр2_през_Руденко_ИКБО-13-22.pptx
@@ -10,11 +10,11 @@
   <p:sldIdLst>
     <p:sldId id="256" r:id="rId2"/>
     <p:sldId id="259" r:id="rId3"/>
-    <p:sldId id="269" r:id="rId4"/>
-    <p:sldId id="271" r:id="rId5"/>
-    <p:sldId id="270" r:id="rId6"/>
-    <p:sldId id="272" r:id="rId7"/>
-    <p:sldId id="273" r:id="rId8"/>
+    <p:sldId id="267" r:id="rId4"/>
+    <p:sldId id="266" r:id="rId5"/>
+    <p:sldId id="269" r:id="rId6"/>
+    <p:sldId id="271" r:id="rId7"/>
+    <p:sldId id="270" r:id="rId8"/>
     <p:sldId id="268" r:id="rId9"/>
     <p:sldId id="263" r:id="rId10"/>
   </p:sldIdLst>
@@ -546,7 +546,7 @@
     </p:spTree>
     <p:extLst>
       <p:ext uri="{BB962C8B-B14F-4D97-AF65-F5344CB8AC3E}">
-        <p14:creationId xmlns:p14="http://schemas.microsoft.com/office/powerpoint/2010/main" val="237707239"/>
+        <p14:creationId xmlns:p14="http://schemas.microsoft.com/office/powerpoint/2010/main" val="4192368026"/>
       </p:ext>
     </p:extLst>
   </p:cSld>
@@ -630,7 +630,7 @@
     </p:spTree>
     <p:extLst>
       <p:ext uri="{BB962C8B-B14F-4D97-AF65-F5344CB8AC3E}">
-        <p14:creationId xmlns:p14="http://schemas.microsoft.com/office/powerpoint/2010/main" val="1552035765"/>
+        <p14:creationId xmlns:p14="http://schemas.microsoft.com/office/powerpoint/2010/main" val="809757071"/>
       </p:ext>
     </p:extLst>
   </p:cSld>
@@ -714,7 +714,7 @@
     </p:spTree>
     <p:extLst>
       <p:ext uri="{BB962C8B-B14F-4D97-AF65-F5344CB8AC3E}">
-        <p14:creationId xmlns:p14="http://schemas.microsoft.com/office/powerpoint/2010/main" val="834369642"/>
+        <p14:creationId xmlns:p14="http://schemas.microsoft.com/office/powerpoint/2010/main" val="237707239"/>
       </p:ext>
     </p:extLst>
   </p:cSld>
@@ -798,7 +798,7 @@
     </p:spTree>
     <p:extLst>
       <p:ext uri="{BB962C8B-B14F-4D97-AF65-F5344CB8AC3E}">
-        <p14:creationId xmlns:p14="http://schemas.microsoft.com/office/powerpoint/2010/main" val="1543341729"/>
+        <p14:creationId xmlns:p14="http://schemas.microsoft.com/office/powerpoint/2010/main" val="1552035765"/>
       </p:ext>
     </p:extLst>
   </p:cSld>
@@ -882,7 +882,7 @@
     </p:spTree>
     <p:extLst>
       <p:ext uri="{BB962C8B-B14F-4D97-AF65-F5344CB8AC3E}">
-        <p14:creationId xmlns:p14="http://schemas.microsoft.com/office/powerpoint/2010/main" val="1826531181"/>
+        <p14:creationId xmlns:p14="http://schemas.microsoft.com/office/powerpoint/2010/main" val="834369642"/>
       </p:ext>
     </p:extLst>
   </p:cSld>
@@ -6815,14 +6815,7 @@
                 <a:latin typeface="Times New Roman" panose="02020603050405020304" pitchFamily="18" charset="0"/>
                 <a:cs typeface="Times New Roman" panose="02020603050405020304" pitchFamily="18" charset="0"/>
               </a:rPr>
-              <a:t>Выполнил студент группы </a:t>
-            </a:r>
-            <a:r>
-              <a:rPr lang="ru-RU" u="sng" dirty="0">
-                <a:latin typeface="Times New Roman" panose="02020603050405020304" pitchFamily="18" charset="0"/>
-                <a:cs typeface="Times New Roman" panose="02020603050405020304" pitchFamily="18" charset="0"/>
-              </a:rPr>
-              <a:t>ИКБО-13-22</a:t>
+              <a:t>Выполнил студент группы ИКБО-13-22</a:t>
             </a:r>
             <a:br>
               <a:rPr lang="ru-RU" dirty="0">
@@ -6835,7 +6828,7 @@
                 <a:latin typeface="Times New Roman" panose="02020603050405020304" pitchFamily="18" charset="0"/>
                 <a:cs typeface="Times New Roman" panose="02020603050405020304" pitchFamily="18" charset="0"/>
               </a:rPr>
-              <a:t>Руденко а. д.</a:t>
+              <a:t>Руденко Алексей Дмитриевич</a:t>
             </a:r>
             <a:endParaRPr lang="uk-UA" dirty="0">
               <a:latin typeface="Times New Roman" panose="02020603050405020304" pitchFamily="18" charset="0"/>
@@ -7099,9 +7092,9 @@
         <p:grpSpPr>
           <a:xfrm>
             <a:off x="838197" y="2786472"/>
-            <a:ext cx="7829939" cy="2186974"/>
+            <a:ext cx="7829939" cy="2372218"/>
             <a:chOff x="6414313" y="1641124"/>
-            <a:chExt cx="2071645" cy="1749887"/>
+            <a:chExt cx="2071645" cy="1898108"/>
           </a:xfrm>
         </p:grpSpPr>
         <p:sp>
@@ -7119,7 +7112,7 @@
           <p:spPr>
             <a:xfrm>
               <a:off x="6414313" y="2019728"/>
-              <a:ext cx="2071645" cy="1371283"/>
+              <a:ext cx="2071645" cy="1519504"/>
             </a:xfrm>
             <a:prstGeom prst="rect">
               <a:avLst/>
@@ -7157,19 +7150,19 @@
                 </a:lnSpc>
               </a:pPr>
               <a:r>
-                <a:rPr lang="ru-RU" sz="1800" kern="100" dirty="0">
+                <a:rPr lang="ru-RU" sz="2000" kern="100" dirty="0">
                   <a:latin typeface="Times New Roman" panose="02020603050405020304" pitchFamily="18" charset="0"/>
                   <a:ea typeface="Droid Sans Fallback"/>
-                  <a:cs typeface="FreeSans"/>
+                  <a:cs typeface="Times New Roman" panose="02020603050405020304" pitchFamily="18" charset="0"/>
                 </a:rPr>
                 <a:t>Н</a:t>
               </a:r>
               <a:r>
-                <a:rPr lang="ru-RU" sz="1800" kern="100" dirty="0">
+                <a:rPr lang="ru-RU" sz="2000" kern="100" dirty="0">
                   <a:effectLst/>
                   <a:latin typeface="Times New Roman" panose="02020603050405020304" pitchFamily="18" charset="0"/>
                   <a:ea typeface="Droid Sans Fallback"/>
-                  <a:cs typeface="FreeSans"/>
+                  <a:cs typeface="Times New Roman" panose="02020603050405020304" pitchFamily="18" charset="0"/>
                 </a:rPr>
                 <a:t>аучиться выстраивать структуру основных элементов диаграммы классов анализа с определением видов классов и типов отношений.</a:t>
               </a:r>
@@ -7181,31 +7174,47 @@
                 </a:lnSpc>
               </a:pPr>
               <a:r>
-                <a:rPr lang="ru-RU" sz="1800" kern="100" dirty="0">
+                <a:rPr lang="ru-RU" sz="2000" kern="100" dirty="0">
                   <a:effectLst/>
                   <a:latin typeface="Times New Roman" panose="02020603050405020304" pitchFamily="18" charset="0"/>
                   <a:ea typeface="Droid Sans Fallback"/>
-                  <a:cs typeface="FreeSans"/>
+                  <a:cs typeface="Times New Roman" panose="02020603050405020304" pitchFamily="18" charset="0"/>
                 </a:rPr>
                 <a:t>Вариант</a:t>
               </a:r>
               <a:r>
-                <a:rPr lang="ru-RU" sz="1800" b="1" kern="100" dirty="0">
+                <a:rPr lang="ru-RU" sz="2000" b="1" kern="100" dirty="0">
                   <a:effectLst/>
                   <a:latin typeface="Times New Roman" panose="02020603050405020304" pitchFamily="18" charset="0"/>
                   <a:ea typeface="Droid Sans Fallback"/>
-                  <a:cs typeface="FreeSans"/>
+                  <a:cs typeface="Times New Roman" panose="02020603050405020304" pitchFamily="18" charset="0"/>
                 </a:rPr>
                 <a:t>:</a:t>
               </a:r>
               <a:r>
-                <a:rPr lang="ru-RU" sz="1800" kern="100" dirty="0">
+                <a:rPr lang="ru-RU" sz="2000" kern="100" dirty="0">
                   <a:effectLst/>
                   <a:latin typeface="Times New Roman" panose="02020603050405020304" pitchFamily="18" charset="0"/>
                   <a:ea typeface="Droid Sans Fallback"/>
-                  <a:cs typeface="FreeSans"/>
+                  <a:cs typeface="Times New Roman" panose="02020603050405020304" pitchFamily="18" charset="0"/>
                 </a:rPr>
-                <a:t> №26 «Моделирование организации продаж подержанных автомобилей в автосалоне»</a:t>
+                <a:t> №26 «</a:t>
+              </a:r>
+              <a:r>
+                <a:rPr lang="ru-RU" sz="2000" dirty="0">
+                  <a:latin typeface="Times New Roman" panose="02020603050405020304" pitchFamily="18" charset="0"/>
+                  <a:cs typeface="Times New Roman" panose="02020603050405020304" pitchFamily="18" charset="0"/>
+                </a:rPr>
+                <a:t>Моделирование организации продажи билетов в кинотеатр</a:t>
+              </a:r>
+              <a:r>
+                <a:rPr lang="ru-RU" sz="2000" kern="100" dirty="0">
+                  <a:effectLst/>
+                  <a:latin typeface="Times New Roman" panose="02020603050405020304" pitchFamily="18" charset="0"/>
+                  <a:ea typeface="Droid Sans Fallback"/>
+                  <a:cs typeface="Times New Roman" panose="02020603050405020304" pitchFamily="18" charset="0"/>
+                </a:rPr>
+                <a:t>»</a:t>
               </a:r>
             </a:p>
           </p:txBody>
@@ -7445,13 +7454,7 @@
   <p:cSld>
     <p:spTree>
       <p:nvGrpSpPr>
-        <p:cNvPr id="1" name="">
-          <a:extLst>
-            <a:ext uri="{FF2B5EF4-FFF2-40B4-BE49-F238E27FC236}">
-              <a16:creationId xmlns:a16="http://schemas.microsoft.com/office/drawing/2014/main" id="{55E6A9C7-B2B3-9D4F-9E52-3A06D78DD0A3}"/>
-            </a:ext>
-          </a:extLst>
-        </p:cNvPr>
+        <p:cNvPr id="1" name=""/>
         <p:cNvGrpSpPr/>
         <p:nvPr/>
       </p:nvGrpSpPr>
@@ -7465,10 +7468,10 @@
       </p:grpSpPr>
       <p:sp>
         <p:nvSpPr>
-          <p:cNvPr id="2" name="Title 1">
+          <p:cNvPr id="2" name="Заголовок 1">
             <a:extLst>
               <a:ext uri="{FF2B5EF4-FFF2-40B4-BE49-F238E27FC236}">
-                <a16:creationId xmlns:a16="http://schemas.microsoft.com/office/drawing/2014/main" id="{7FD22E7F-85B3-6A65-A336-7F62B1B0EF46}"/>
+                <a16:creationId xmlns:a16="http://schemas.microsoft.com/office/drawing/2014/main" id="{F03D0E30-0025-4B3D-9BF5-57C03D56F995}"/>
               </a:ext>
             </a:extLst>
           </p:cNvPr>
@@ -7481,8 +7484,8 @@
         </p:nvSpPr>
         <p:spPr>
           <a:xfrm>
-            <a:off x="666139" y="245019"/>
-            <a:ext cx="8792496" cy="1456267"/>
+            <a:off x="223684" y="609600"/>
+            <a:ext cx="8522723" cy="1456267"/>
           </a:xfrm>
         </p:spPr>
         <p:txBody>
@@ -7491,94 +7494,94 @@
           </a:bodyPr>
           <a:lstStyle/>
           <a:p>
-            <a:r>
-              <a:rPr lang="ru-RU" sz="2400" dirty="0">
+            <a:pPr marL="450215" algn="just">
+              <a:lnSpc>
+                <a:spcPct val="150000"/>
+              </a:lnSpc>
+              <a:spcAft>
+                <a:spcPts val="2800"/>
+              </a:spcAft>
+            </a:pPr>
+            <a:r>
+              <a:rPr lang="ru-RU" sz="2400" b="1" kern="100" cap="all" dirty="0">
+                <a:effectLst/>
                 <a:latin typeface="Times New Roman" panose="02020603050405020304" pitchFamily="18" charset="0"/>
-                <a:cs typeface="Times New Roman" panose="02020603050405020304" pitchFamily="18" charset="0"/>
+                <a:ea typeface="Droid Sans Fallback"/>
+                <a:cs typeface="FreeSans"/>
               </a:rPr>
-              <a:t>построения диаграммы классов анализа для работы автосалона подержанных автомобилей </a:t>
-            </a:r>
-            <a:endParaRPr lang="en-UA" sz="4400" dirty="0">
-              <a:latin typeface="Times New Roman" panose="02020603050405020304" pitchFamily="18" charset="0"/>
-              <a:cs typeface="Times New Roman" panose="02020603050405020304" pitchFamily="18" charset="0"/>
-            </a:endParaRPr>
-          </a:p>
-        </p:txBody>
-      </p:sp>
-      <p:cxnSp>
-        <p:nvCxnSpPr>
-          <p:cNvPr id="105" name="直接连接符 112">
+              <a:t>Построение UML – модели системы. Диаграмма классов анализа.</a:t>
+            </a:r>
+          </a:p>
+        </p:txBody>
+      </p:sp>
+      <p:sp>
+        <p:nvSpPr>
+          <p:cNvPr id="4" name="Текст 3">
             <a:extLst>
               <a:ext uri="{FF2B5EF4-FFF2-40B4-BE49-F238E27FC236}">
-                <a16:creationId xmlns:a16="http://schemas.microsoft.com/office/drawing/2014/main" id="{97959AD4-6210-AAC8-AE9A-4E8D3BF26FBC}"/>
+                <a16:creationId xmlns:a16="http://schemas.microsoft.com/office/drawing/2014/main" id="{1ABF2C34-2F4D-4305-BE0F-A188632302EC}"/>
               </a:ext>
             </a:extLst>
           </p:cNvPr>
-          <p:cNvCxnSpPr/>
-          <p:nvPr/>
-        </p:nvCxnSpPr>
-        <p:spPr>
-          <a:xfrm>
-            <a:off x="962909" y="1665145"/>
-            <a:ext cx="7755547" cy="0"/>
-          </a:xfrm>
-          <a:prstGeom prst="line">
-            <a:avLst/>
-          </a:prstGeom>
-          <a:ln w="6350">
-            <a:solidFill>
-              <a:schemeClr val="bg1">
-                <a:lumMod val="65000"/>
-              </a:schemeClr>
-            </a:solidFill>
-          </a:ln>
-        </p:spPr>
-        <p:style>
-          <a:lnRef idx="1">
-            <a:schemeClr val="accent1"/>
-          </a:lnRef>
-          <a:fillRef idx="0">
-            <a:schemeClr val="accent1"/>
-          </a:fillRef>
-          <a:effectRef idx="0">
-            <a:schemeClr val="accent1"/>
-          </a:effectRef>
-          <a:fontRef idx="minor">
-            <a:schemeClr val="tx1"/>
-          </a:fontRef>
-        </p:style>
-      </p:cxnSp>
-      <p:sp>
-        <p:nvSpPr>
-          <p:cNvPr id="9" name="TextBox 8">
+          <p:cNvSpPr>
+            <a:spLocks noGrp="1"/>
+          </p:cNvSpPr>
+          <p:nvPr>
+            <p:ph type="body" idx="1"/>
+          </p:nvPr>
+        </p:nvSpPr>
+        <p:spPr>
+          <a:xfrm>
+            <a:off x="685801" y="1938603"/>
+            <a:ext cx="4709054" cy="576262"/>
+          </a:xfrm>
+        </p:spPr>
+        <p:txBody>
+          <a:bodyPr/>
+          <a:lstStyle/>
+          <a:p>
+            <a:r>
+              <a:rPr lang="ru-RU" dirty="0"/>
+              <a:t>Описание</a:t>
+            </a:r>
+          </a:p>
+        </p:txBody>
+      </p:sp>
+      <p:sp>
+        <p:nvSpPr>
+          <p:cNvPr id="5" name="Объект 4">
             <a:extLst>
               <a:ext uri="{FF2B5EF4-FFF2-40B4-BE49-F238E27FC236}">
-                <a16:creationId xmlns:a16="http://schemas.microsoft.com/office/drawing/2014/main" id="{9421B9CD-E5DD-44BB-83E5-CE3E3E0CA114}"/>
+                <a16:creationId xmlns:a16="http://schemas.microsoft.com/office/drawing/2014/main" id="{F376AA5C-271A-4BAF-A6A4-1EA253FC02B7}"/>
               </a:ext>
             </a:extLst>
           </p:cNvPr>
-          <p:cNvSpPr txBox="1"/>
-          <p:nvPr/>
-        </p:nvSpPr>
-        <p:spPr>
-          <a:xfrm>
-            <a:off x="444434" y="1388146"/>
-            <a:ext cx="8792495" cy="646331"/>
-          </a:xfrm>
-          <a:prstGeom prst="rect">
-            <a:avLst/>
-          </a:prstGeom>
-          <a:noFill/>
-        </p:spPr>
-        <p:txBody>
-          <a:bodyPr wrap="square">
-            <a:spAutoFit/>
-          </a:bodyPr>
-          <a:lstStyle/>
-          <a:p>
-            <a:pPr algn="ctr">
+          <p:cNvSpPr>
+            <a:spLocks noGrp="1"/>
+          </p:cNvSpPr>
+          <p:nvPr>
+            <p:ph sz="half" idx="2"/>
+          </p:nvPr>
+        </p:nvSpPr>
+        <p:spPr>
+          <a:xfrm>
+            <a:off x="541866" y="2514865"/>
+            <a:ext cx="4996923" cy="2920998"/>
+          </a:xfrm>
+        </p:spPr>
+        <p:txBody>
+          <a:bodyPr/>
+          <a:lstStyle/>
+          <a:p>
+            <a:pPr marL="450215" indent="450215" algn="just">
+              <a:lnSpc>
+                <a:spcPct val="150000"/>
+              </a:lnSpc>
+              <a:spcBef>
+                <a:spcPts val="4200"/>
+              </a:spcBef>
               <a:spcAft>
-                <a:spcPts val="1700"/>
+                <a:spcPts val="2800"/>
               </a:spcAft>
             </a:pPr>
             <a:r>
@@ -7588,17 +7591,51 @@
                 <a:ea typeface="Droid Sans Fallback"/>
                 <a:cs typeface="FreeSans"/>
               </a:rPr>
-              <a:t>	Диаграмма отношений между классами варианта использования «Покупка машины»</a:t>
+              <a:t>В вариантах использования работы «</a:t>
+            </a:r>
+            <a:r>
+              <a:rPr lang="ru-RU" dirty="0">
+                <a:latin typeface="Times New Roman" panose="02020603050405020304" pitchFamily="18" charset="0"/>
+                <a:cs typeface="Times New Roman" panose="02020603050405020304" pitchFamily="18" charset="0"/>
+              </a:rPr>
+              <a:t>Моделирование организации продажи билетов в кинотеатр</a:t>
+            </a:r>
+            <a:r>
+              <a:rPr lang="ru-RU" sz="1800" kern="100" dirty="0">
+                <a:effectLst/>
+                <a:latin typeface="Times New Roman" panose="02020603050405020304" pitchFamily="18" charset="0"/>
+                <a:ea typeface="Droid Sans Fallback"/>
+                <a:cs typeface="FreeSans"/>
+              </a:rPr>
+              <a:t>» клиент</a:t>
+            </a:r>
+            <a:r>
+              <a:rPr lang="en-US" sz="1800" kern="100" dirty="0">
+                <a:effectLst/>
+                <a:latin typeface="Times New Roman" panose="02020603050405020304" pitchFamily="18" charset="0"/>
+                <a:ea typeface="Droid Sans Fallback"/>
+                <a:cs typeface="FreeSans"/>
+              </a:rPr>
+              <a:t> </a:t>
+            </a:r>
+            <a:r>
+              <a:rPr lang="ru-RU" sz="1800" kern="100" dirty="0">
+                <a:effectLst/>
+                <a:latin typeface="Times New Roman" panose="02020603050405020304" pitchFamily="18" charset="0"/>
+                <a:ea typeface="Droid Sans Fallback"/>
+                <a:cs typeface="FreeSans"/>
+              </a:rPr>
+              <a:t>может, например:</a:t>
             </a:r>
           </a:p>
         </p:txBody>
       </p:sp>
       <p:pic>
         <p:nvPicPr>
-          <p:cNvPr id="5" name="Picture 4">
+          <p:cNvPr id="7" name="Рисунок 6">
             <a:extLst>
               <a:ext uri="{FF2B5EF4-FFF2-40B4-BE49-F238E27FC236}">
-                <a16:creationId xmlns:a16="http://schemas.microsoft.com/office/drawing/2014/main" id="{3A031B99-DEF2-4CBE-8B1B-9F77F08F84FE}"/>
+                <a16:creationId xmlns:a16="http://schemas.microsoft.com/office/drawing/2014/main" id="{0415C7B5-8F1E-4A12-BFF4-75CB9F08DD00}"/>
               </a:ext>
             </a:extLst>
           </p:cNvPr>
@@ -7615,8 +7652,8 @@
         </p:blipFill>
         <p:spPr>
           <a:xfrm>
-            <a:off x="744796" y="2034477"/>
-            <a:ext cx="6869290" cy="3474428"/>
+            <a:off x="5843665" y="2649667"/>
+            <a:ext cx="3315163" cy="2248214"/>
           </a:xfrm>
           <a:prstGeom prst="rect">
             <a:avLst/>
@@ -7626,7 +7663,7 @@
     </p:spTree>
     <p:extLst>
       <p:ext uri="{BB962C8B-B14F-4D97-AF65-F5344CB8AC3E}">
-        <p14:creationId xmlns:p14="http://schemas.microsoft.com/office/powerpoint/2010/main" val="1090496710"/>
+        <p14:creationId xmlns:p14="http://schemas.microsoft.com/office/powerpoint/2010/main" val="873522589"/>
       </p:ext>
     </p:extLst>
   </p:cSld>
@@ -7692,7 +7729,7 @@
                 <a:latin typeface="Times New Roman" panose="02020603050405020304" pitchFamily="18" charset="0"/>
                 <a:cs typeface="Times New Roman" panose="02020603050405020304" pitchFamily="18" charset="0"/>
               </a:rPr>
-              <a:t>построения диаграммы классов анализа для работы автосалона подержанных автомобилей </a:t>
+              <a:t>построения диаграммы классов анализа для работы Кинотеатра</a:t>
             </a:r>
             <a:endParaRPr lang="en-UA" sz="4400" dirty="0">
               <a:latin typeface="Times New Roman" panose="02020603050405020304" pitchFamily="18" charset="0"/>
@@ -7758,7 +7795,7 @@
         </p:nvSpPr>
         <p:spPr>
           <a:xfrm>
-            <a:off x="666139" y="1516620"/>
+            <a:off x="381003" y="1516620"/>
             <a:ext cx="6869290" cy="369332"/>
           </a:xfrm>
           <a:prstGeom prst="rect">
@@ -7784,17 +7821,17 @@
                 <a:ea typeface="Droid Sans Fallback"/>
                 <a:cs typeface="FreeSans"/>
               </a:rPr>
-              <a:t>Состав классов вариантов использования «Оценка машины»</a:t>
+              <a:t>	Состав классов вариантов использования «Покупка билета»</a:t>
             </a:r>
           </a:p>
         </p:txBody>
       </p:sp>
       <p:pic>
         <p:nvPicPr>
-          <p:cNvPr id="5" name="Picture 4">
+          <p:cNvPr id="5" name="Рисунок 4">
             <a:extLst>
               <a:ext uri="{FF2B5EF4-FFF2-40B4-BE49-F238E27FC236}">
-                <a16:creationId xmlns:a16="http://schemas.microsoft.com/office/drawing/2014/main" id="{BF44C7B5-EFCE-443F-91B5-B0828FA9211C}"/>
+                <a16:creationId xmlns:a16="http://schemas.microsoft.com/office/drawing/2014/main" id="{ED05281F-6BFF-40FB-808E-91D6D2ACD883}"/>
               </a:ext>
             </a:extLst>
           </p:cNvPr>
@@ -7811,8 +7848,8 @@
         </p:blipFill>
         <p:spPr>
           <a:xfrm>
-            <a:off x="753942" y="2034477"/>
-            <a:ext cx="4978263" cy="4011356"/>
+            <a:off x="1569784" y="2119066"/>
+            <a:ext cx="6249272" cy="3534268"/>
           </a:xfrm>
           <a:prstGeom prst="rect">
             <a:avLst/>
@@ -7822,7 +7859,7 @@
     </p:spTree>
     <p:extLst>
       <p:ext uri="{BB962C8B-B14F-4D97-AF65-F5344CB8AC3E}">
-        <p14:creationId xmlns:p14="http://schemas.microsoft.com/office/powerpoint/2010/main" val="2168508546"/>
+        <p14:creationId xmlns:p14="http://schemas.microsoft.com/office/powerpoint/2010/main" val="2337005304"/>
       </p:ext>
     </p:extLst>
   </p:cSld>
@@ -7884,11 +7921,11 @@
           <a:lstStyle/>
           <a:p>
             <a:r>
-              <a:rPr lang="ru-RU" sz="2400">
+              <a:rPr lang="ru-RU" sz="2400" dirty="0">
                 <a:latin typeface="Times New Roman" panose="02020603050405020304" pitchFamily="18" charset="0"/>
                 <a:cs typeface="Times New Roman" panose="02020603050405020304" pitchFamily="18" charset="0"/>
               </a:rPr>
-              <a:t>построения диаграммы классов анализа для работы автосалона подержанных автомобилей </a:t>
+              <a:t>построения диаграммы классов анализа для работы Кинотеатра</a:t>
             </a:r>
             <a:endParaRPr lang="en-UA" sz="4400" dirty="0">
               <a:latin typeface="Times New Roman" panose="02020603050405020304" pitchFamily="18" charset="0"/>
@@ -7954,8 +7991,8 @@
         </p:nvSpPr>
         <p:spPr>
           <a:xfrm>
-            <a:off x="444434" y="1480479"/>
-            <a:ext cx="8792495" cy="646331"/>
+            <a:off x="444434" y="1388146"/>
+            <a:ext cx="8792495" cy="369332"/>
           </a:xfrm>
           <a:prstGeom prst="rect">
             <a:avLst/>
@@ -7980,17 +8017,17 @@
                 <a:ea typeface="Droid Sans Fallback"/>
                 <a:cs typeface="FreeSans"/>
               </a:rPr>
-              <a:t>	Диаграмма отношений между классами варианта использования «Оценка машины»</a:t>
+              <a:t>	Диаграмма отношений между классами варианта использования «Покупка билета»</a:t>
             </a:r>
           </a:p>
         </p:txBody>
       </p:sp>
       <p:pic>
         <p:nvPicPr>
-          <p:cNvPr id="4" name="Picture 3">
+          <p:cNvPr id="4" name="Рисунок 3">
             <a:extLst>
               <a:ext uri="{FF2B5EF4-FFF2-40B4-BE49-F238E27FC236}">
-                <a16:creationId xmlns:a16="http://schemas.microsoft.com/office/drawing/2014/main" id="{2902D06E-E2D8-4457-9B43-02B656916FB0}"/>
+                <a16:creationId xmlns:a16="http://schemas.microsoft.com/office/drawing/2014/main" id="{D857ED64-952D-4701-9B36-9D169584B80B}"/>
               </a:ext>
             </a:extLst>
           </p:cNvPr>
@@ -8007,8 +8044,8 @@
         </p:blipFill>
         <p:spPr>
           <a:xfrm>
-            <a:off x="666139" y="2486497"/>
-            <a:ext cx="6994827" cy="2660933"/>
+            <a:off x="1018466" y="2569882"/>
+            <a:ext cx="7104460" cy="3012397"/>
           </a:xfrm>
           <a:prstGeom prst="rect">
             <a:avLst/>
@@ -8018,7 +8055,7 @@
     </p:spTree>
     <p:extLst>
       <p:ext uri="{BB962C8B-B14F-4D97-AF65-F5344CB8AC3E}">
-        <p14:creationId xmlns:p14="http://schemas.microsoft.com/office/powerpoint/2010/main" val="1078528416"/>
+        <p14:creationId xmlns:p14="http://schemas.microsoft.com/office/powerpoint/2010/main" val="1090496710"/>
       </p:ext>
     </p:extLst>
   </p:cSld>
@@ -8080,11 +8117,11 @@
           <a:lstStyle/>
           <a:p>
             <a:r>
-              <a:rPr lang="ru-RU" sz="2400">
+              <a:rPr lang="ru-RU" sz="2400" dirty="0">
                 <a:latin typeface="Times New Roman" panose="02020603050405020304" pitchFamily="18" charset="0"/>
                 <a:cs typeface="Times New Roman" panose="02020603050405020304" pitchFamily="18" charset="0"/>
               </a:rPr>
-              <a:t>построения диаграммы классов анализа для работы автосалона подержанных автомобилей </a:t>
+              <a:t>построения диаграммы классов анализа для работы Кинотеатра</a:t>
             </a:r>
             <a:endParaRPr lang="en-UA" sz="4400" dirty="0">
               <a:latin typeface="Times New Roman" panose="02020603050405020304" pitchFamily="18" charset="0"/>
@@ -8150,8 +8187,8 @@
         </p:nvSpPr>
         <p:spPr>
           <a:xfrm>
-            <a:off x="381003" y="1516620"/>
-            <a:ext cx="6869290" cy="369332"/>
+            <a:off x="666139" y="1516620"/>
+            <a:ext cx="6869290" cy="646331"/>
           </a:xfrm>
           <a:prstGeom prst="rect">
             <a:avLst/>
@@ -8176,17 +8213,33 @@
                 <a:ea typeface="Droid Sans Fallback"/>
                 <a:cs typeface="FreeSans"/>
               </a:rPr>
-              <a:t>Состав классов вариантов использования «Тест драйв»</a:t>
+              <a:t>Состав классов вариантов использования «</a:t>
+            </a:r>
+            <a:r>
+              <a:rPr lang="ru-RU" dirty="0">
+                <a:latin typeface="Times New Roman" panose="02020603050405020304" pitchFamily="18" charset="0"/>
+                <a:cs typeface="Times New Roman" panose="02020603050405020304" pitchFamily="18" charset="0"/>
+              </a:rPr>
+              <a:t>Запросить возврат билета</a:t>
+            </a:r>
+            <a:r>
+              <a:rPr lang="ru-RU" sz="1800" kern="100" dirty="0">
+                <a:effectLst/>
+                <a:latin typeface="Times New Roman" panose="02020603050405020304" pitchFamily="18" charset="0"/>
+                <a:ea typeface="Droid Sans Fallback"/>
+                <a:cs typeface="FreeSans"/>
+              </a:rPr>
+              <a:t>»</a:t>
             </a:r>
           </a:p>
         </p:txBody>
       </p:sp>
       <p:pic>
         <p:nvPicPr>
-          <p:cNvPr id="4" name="Picture 3">
+          <p:cNvPr id="4" name="Рисунок 3">
             <a:extLst>
               <a:ext uri="{FF2B5EF4-FFF2-40B4-BE49-F238E27FC236}">
-                <a16:creationId xmlns:a16="http://schemas.microsoft.com/office/drawing/2014/main" id="{25CECD64-DD3D-4E2F-B9EA-511893BD13DF}"/>
+                <a16:creationId xmlns:a16="http://schemas.microsoft.com/office/drawing/2014/main" id="{639D5A51-F27C-4C03-8A2E-4C72B6B7FBB4}"/>
               </a:ext>
             </a:extLst>
           </p:cNvPr>
@@ -8203,8 +8256,8 @@
         </p:blipFill>
         <p:spPr>
           <a:xfrm>
-            <a:off x="613823" y="2158802"/>
-            <a:ext cx="6636470" cy="3286019"/>
+            <a:off x="1638498" y="2392880"/>
+            <a:ext cx="6096851" cy="3391373"/>
           </a:xfrm>
           <a:prstGeom prst="rect">
             <a:avLst/>
@@ -8214,7 +8267,7 @@
     </p:spTree>
     <p:extLst>
       <p:ext uri="{BB962C8B-B14F-4D97-AF65-F5344CB8AC3E}">
-        <p14:creationId xmlns:p14="http://schemas.microsoft.com/office/powerpoint/2010/main" val="1068060755"/>
+        <p14:creationId xmlns:p14="http://schemas.microsoft.com/office/powerpoint/2010/main" val="2168508546"/>
       </p:ext>
     </p:extLst>
   </p:cSld>
@@ -8280,7 +8333,7 @@
                 <a:latin typeface="Times New Roman" panose="02020603050405020304" pitchFamily="18" charset="0"/>
                 <a:cs typeface="Times New Roman" panose="02020603050405020304" pitchFamily="18" charset="0"/>
               </a:rPr>
-              <a:t>построения диаграммы классов анализа для работы автосалона подержанных автомобилей </a:t>
+              <a:t>построения диаграммы классов анализа для работы Кинотеатра</a:t>
             </a:r>
             <a:endParaRPr lang="en-UA" sz="4400" dirty="0">
               <a:latin typeface="Times New Roman" panose="02020603050405020304" pitchFamily="18" charset="0"/>
@@ -8347,7 +8400,7 @@
         <p:spPr>
           <a:xfrm>
             <a:off x="444434" y="1480479"/>
-            <a:ext cx="8792495" cy="369332"/>
+            <a:ext cx="8792495" cy="646331"/>
           </a:xfrm>
           <a:prstGeom prst="rect">
             <a:avLst/>
@@ -8372,15 +8425,14 @@
                 <a:ea typeface="Droid Sans Fallback"/>
                 <a:cs typeface="FreeSans"/>
               </a:rPr>
-              <a:t>	Диаграмма отношений между классами варианта использования </a:t>
-            </a:r>
-            <a:r>
-              <a:rPr lang="ru-RU" kern="100" dirty="0">
+              <a:t>	Диаграмма отношений между классами варианта использования «</a:t>
+            </a:r>
+            <a:r>
+              <a:rPr lang="ru-RU" dirty="0">
                 <a:latin typeface="Times New Roman" panose="02020603050405020304" pitchFamily="18" charset="0"/>
-                <a:ea typeface="Droid Sans Fallback"/>
-                <a:cs typeface="FreeSans"/>
+                <a:cs typeface="Times New Roman" panose="02020603050405020304" pitchFamily="18" charset="0"/>
               </a:rPr>
-              <a:t>«Тест драйв</a:t>
+              <a:t>Запросить возврат билета</a:t>
             </a:r>
             <a:r>
               <a:rPr lang="ru-RU" sz="1800" kern="100" dirty="0">
@@ -8396,10 +8448,10 @@
       </p:sp>
       <p:pic>
         <p:nvPicPr>
-          <p:cNvPr id="5" name="Picture 4">
+          <p:cNvPr id="5" name="Рисунок 4">
             <a:extLst>
               <a:ext uri="{FF2B5EF4-FFF2-40B4-BE49-F238E27FC236}">
-                <a16:creationId xmlns:a16="http://schemas.microsoft.com/office/drawing/2014/main" id="{805F4EE0-0B58-42B2-9A18-8B945143D627}"/>
+                <a16:creationId xmlns:a16="http://schemas.microsoft.com/office/drawing/2014/main" id="{1F8D286B-D3BD-4B16-9C9F-6F778F517EE4}"/>
               </a:ext>
             </a:extLst>
           </p:cNvPr>
@@ -8416,8 +8468,8 @@
         </p:blipFill>
         <p:spPr>
           <a:xfrm>
-            <a:off x="666139" y="2164149"/>
-            <a:ext cx="6617762" cy="2332763"/>
+            <a:off x="1287360" y="2456903"/>
+            <a:ext cx="7106642" cy="3353268"/>
           </a:xfrm>
           <a:prstGeom prst="rect">
             <a:avLst/>
@@ -8427,7 +8479,7 @@
     </p:spTree>
     <p:extLst>
       <p:ext uri="{BB962C8B-B14F-4D97-AF65-F5344CB8AC3E}">
-        <p14:creationId xmlns:p14="http://schemas.microsoft.com/office/powerpoint/2010/main" val="434034840"/>
+        <p14:creationId xmlns:p14="http://schemas.microsoft.com/office/powerpoint/2010/main" val="1078528416"/>
       </p:ext>
     </p:extLst>
   </p:cSld>
@@ -8487,7 +8539,7 @@
                 <a:latin typeface="Times New Roman" panose="02020603050405020304" pitchFamily="18" charset="0"/>
                 <a:cs typeface="Times New Roman" panose="02020603050405020304" pitchFamily="18" charset="0"/>
               </a:rPr>
-              <a:t>построения диаграммы классов анализа для работы автосалона подержанных автомобилей </a:t>
+              <a:t>построения диаграммы классов анализа для работы Кинотеатра</a:t>
             </a:r>
           </a:p>
         </p:txBody>
@@ -8510,7 +8562,7 @@
         </p:nvSpPr>
         <p:spPr>
           <a:xfrm>
-            <a:off x="685801" y="1238866"/>
+            <a:off x="685801" y="1575686"/>
             <a:ext cx="8664677" cy="835741"/>
           </a:xfrm>
         </p:spPr>
@@ -8533,10 +8585,10 @@
       </p:sp>
       <p:pic>
         <p:nvPicPr>
-          <p:cNvPr id="5" name="Picture 4">
+          <p:cNvPr id="6" name="Рисунок 5">
             <a:extLst>
               <a:ext uri="{FF2B5EF4-FFF2-40B4-BE49-F238E27FC236}">
-                <a16:creationId xmlns:a16="http://schemas.microsoft.com/office/drawing/2014/main" id="{45269F1F-6665-463E-BC10-E8203D3D57FE}"/>
+                <a16:creationId xmlns:a16="http://schemas.microsoft.com/office/drawing/2014/main" id="{2B969BD4-C4F4-4172-8DB8-65740DC77079}"/>
               </a:ext>
             </a:extLst>
           </p:cNvPr>
@@ -8553,8 +8605,8 @@
         </p:blipFill>
         <p:spPr>
           <a:xfrm>
-            <a:off x="823453" y="2042652"/>
-            <a:ext cx="6708057" cy="4410691"/>
+            <a:off x="1971206" y="2570622"/>
+            <a:ext cx="4579290" cy="3514171"/>
           </a:xfrm>
           <a:prstGeom prst="rect">
             <a:avLst/>
